--- a/03 - Delay effects/C - Flanger/flanger code.pptx
+++ b/03 - Delay effects/C - Flanger/flanger code.pptx
@@ -203,7 +203,7 @@
           <a:p>
             <a:fld id="{58338CC4-4E61-4E88-8B97-D8247B067FE5}" type="datetimeFigureOut">
               <a:rPr lang="en-GB" smtClean="0"/>
-              <a:t>04/12/2023</a:t>
+              <a:t>15/02/2024</a:t>
             </a:fld>
             <a:endParaRPr lang="en-GB"/>
           </a:p>
@@ -629,36 +629,6 @@
           <a:bodyPr/>
           <a:lstStyle/>
           <a:p>
-            <a:r>
-              <a:rPr lang="en-GB" b="0" i="0" dirty="0">
-                <a:solidFill>
-                  <a:srgbClr val="090909"/>
-                </a:solidFill>
-                <a:effectLst/>
-                <a:latin typeface="Arial" panose="020B0604020202020204" pitchFamily="34" charset="0"/>
-              </a:rPr>
-              <a:t>MidiKeyboardComponent needs a </a:t>
-            </a:r>
-            <a:r>
-              <a:rPr lang="en-GB" b="0" i="0" dirty="0" err="1">
-                <a:solidFill>
-                  <a:srgbClr val="090909"/>
-                </a:solidFill>
-                <a:effectLst/>
-                <a:latin typeface="Arial" panose="020B0604020202020204" pitchFamily="34" charset="0"/>
-              </a:rPr>
-              <a:t>MidiKeyboardState</a:t>
-            </a:r>
-            <a:r>
-              <a:rPr lang="en-GB" b="0" i="0" dirty="0">
-                <a:solidFill>
-                  <a:srgbClr val="090909"/>
-                </a:solidFill>
-                <a:effectLst/>
-                <a:latin typeface="Arial" panose="020B0604020202020204" pitchFamily="34" charset="0"/>
-              </a:rPr>
-              <a:t> and the orientation as arguments.</a:t>
-            </a:r>
             <a:endParaRPr lang="en-GB" dirty="0"/>
           </a:p>
         </p:txBody>
@@ -1528,7 +1498,7 @@
           <a:p>
             <a:fld id="{F8A5948D-6B6B-4AEB-B022-F2A9ADD6F77D}" type="datetimeFigureOut">
               <a:rPr lang="en-GB" smtClean="0"/>
-              <a:t>04/12/2023</a:t>
+              <a:t>15/02/2024</a:t>
             </a:fld>
             <a:endParaRPr lang="en-GB"/>
           </a:p>
@@ -1733,7 +1703,7 @@
           <a:p>
             <a:fld id="{F8A5948D-6B6B-4AEB-B022-F2A9ADD6F77D}" type="datetimeFigureOut">
               <a:rPr lang="en-GB" smtClean="0"/>
-              <a:t>04/12/2023</a:t>
+              <a:t>15/02/2024</a:t>
             </a:fld>
             <a:endParaRPr lang="en-GB"/>
           </a:p>
@@ -2009,7 +1979,7 @@
           <a:p>
             <a:fld id="{F8A5948D-6B6B-4AEB-B022-F2A9ADD6F77D}" type="datetimeFigureOut">
               <a:rPr lang="en-GB" smtClean="0"/>
-              <a:t>04/12/2023</a:t>
+              <a:t>15/02/2024</a:t>
             </a:fld>
             <a:endParaRPr lang="en-GB"/>
           </a:p>
@@ -2277,7 +2247,7 @@
           <a:p>
             <a:fld id="{F8A5948D-6B6B-4AEB-B022-F2A9ADD6F77D}" type="datetimeFigureOut">
               <a:rPr lang="en-GB" smtClean="0"/>
-              <a:t>04/12/2023</a:t>
+              <a:t>15/02/2024</a:t>
             </a:fld>
             <a:endParaRPr lang="en-GB"/>
           </a:p>
@@ -2692,7 +2662,7 @@
           <a:p>
             <a:fld id="{F8A5948D-6B6B-4AEB-B022-F2A9ADD6F77D}" type="datetimeFigureOut">
               <a:rPr lang="en-GB" smtClean="0"/>
-              <a:t>04/12/2023</a:t>
+              <a:t>15/02/2024</a:t>
             </a:fld>
             <a:endParaRPr lang="en-GB"/>
           </a:p>
@@ -2834,7 +2804,7 @@
           <a:p>
             <a:fld id="{F8A5948D-6B6B-4AEB-B022-F2A9ADD6F77D}" type="datetimeFigureOut">
               <a:rPr lang="en-GB" smtClean="0"/>
-              <a:t>04/12/2023</a:t>
+              <a:t>15/02/2024</a:t>
             </a:fld>
             <a:endParaRPr lang="en-GB"/>
           </a:p>
@@ -2947,7 +2917,7 @@
           <a:p>
             <a:fld id="{F8A5948D-6B6B-4AEB-B022-F2A9ADD6F77D}" type="datetimeFigureOut">
               <a:rPr lang="en-GB" smtClean="0"/>
-              <a:t>04/12/2023</a:t>
+              <a:t>15/02/2024</a:t>
             </a:fld>
             <a:endParaRPr lang="en-GB"/>
           </a:p>
@@ -3260,7 +3230,7 @@
           <a:p>
             <a:fld id="{F8A5948D-6B6B-4AEB-B022-F2A9ADD6F77D}" type="datetimeFigureOut">
               <a:rPr lang="en-GB" smtClean="0"/>
-              <a:t>04/12/2023</a:t>
+              <a:t>15/02/2024</a:t>
             </a:fld>
             <a:endParaRPr lang="en-GB"/>
           </a:p>
@@ -3653,7 +3623,7 @@
           <a:p>
             <a:fld id="{F8A5948D-6B6B-4AEB-B022-F2A9ADD6F77D}" type="datetimeFigureOut">
               <a:rPr lang="en-GB" smtClean="0"/>
-              <a:t>04/12/2023</a:t>
+              <a:t>15/02/2024</a:t>
             </a:fld>
             <a:endParaRPr lang="en-GB"/>
           </a:p>
@@ -3853,7 +3823,7 @@
           <a:p>
             <a:fld id="{F8A5948D-6B6B-4AEB-B022-F2A9ADD6F77D}" type="datetimeFigureOut">
               <a:rPr lang="en-GB" smtClean="0"/>
-              <a:t>04/12/2023</a:t>
+              <a:t>15/02/2024</a:t>
             </a:fld>
             <a:endParaRPr lang="en-GB"/>
           </a:p>
@@ -4063,7 +4033,7 @@
           <a:p>
             <a:fld id="{F8A5948D-6B6B-4AEB-B022-F2A9ADD6F77D}" type="datetimeFigureOut">
               <a:rPr lang="en-GB" smtClean="0"/>
-              <a:t>04/12/2023</a:t>
+              <a:t>15/02/2024</a:t>
             </a:fld>
             <a:endParaRPr lang="en-GB"/>
           </a:p>
@@ -6163,7 +6133,7 @@
           <a:p>
             <a:fld id="{F8A5948D-6B6B-4AEB-B022-F2A9ADD6F77D}" type="datetimeFigureOut">
               <a:rPr lang="en-GB" smtClean="0"/>
-              <a:t>04/12/2023</a:t>
+              <a:t>15/02/2024</a:t>
             </a:fld>
             <a:endParaRPr lang="en-GB"/>
           </a:p>
@@ -8262,7 +8232,23 @@
                   <a:prstClr val="black"/>
                 </a:solidFill>
               </a:rPr>
-              <a:t>Add 3 extra samples to allow cubic interpolation even at maximum delay</a:t>
+              <a:t>Add extra samples to </a:t>
+            </a:r>
+            <a:r>
+              <a:rPr lang="en-GB">
+                <a:solidFill>
+                  <a:prstClr val="black"/>
+                </a:solidFill>
+              </a:rPr>
+              <a:t>allow interpolation </a:t>
+            </a:r>
+            <a:r>
+              <a:rPr lang="en-GB" dirty="0">
+                <a:solidFill>
+                  <a:prstClr val="black"/>
+                </a:solidFill>
+              </a:rPr>
+              <a:t>even at maximum delay</a:t>
             </a:r>
           </a:p>
           <a:p>
@@ -8982,7 +8968,7 @@
           <a:p>
             <a:r>
               <a:rPr lang="en-GB" dirty="0"/>
-              <a:t>Add 3 extra samples to allow cubic interpolation even at maximum delay</a:t>
+              <a:t>Add a few extra samples to allow interpolation even at maximum delay</a:t>
             </a:r>
             <a:endParaRPr lang="en-GB" sz="2000" dirty="0"/>
           </a:p>
